--- a/paper/figures/FigDSAN/FigDSAN.pptx
+++ b/paper/figures/FigDSAN/FigDSAN.pptx
@@ -288,7 +288,7 @@
           <a:p>
             <a:fld id="{530820CF-B880-4189-942D-D702A7CBA730}" type="datetimeFigureOut">
               <a:rPr lang="zh-CN" altLang="en-US" smtClean="0"/>
-              <a:t>2017/8/9</a:t>
+              <a:t>2017/9/19</a:t>
             </a:fld>
             <a:endParaRPr lang="zh-CN" altLang="en-US"/>
           </a:p>
@@ -453,7 +453,7 @@
           <a:p>
             <a:fld id="{530820CF-B880-4189-942D-D702A7CBA730}" type="datetimeFigureOut">
               <a:rPr lang="zh-CN" altLang="en-US" smtClean="0"/>
-              <a:t>2017/8/9</a:t>
+              <a:t>2017/9/19</a:t>
             </a:fld>
             <a:endParaRPr lang="zh-CN" altLang="en-US"/>
           </a:p>
@@ -628,7 +628,7 @@
           <a:p>
             <a:fld id="{530820CF-B880-4189-942D-D702A7CBA730}" type="datetimeFigureOut">
               <a:rPr lang="zh-CN" altLang="en-US" smtClean="0"/>
-              <a:t>2017/8/9</a:t>
+              <a:t>2017/9/19</a:t>
             </a:fld>
             <a:endParaRPr lang="zh-CN" altLang="en-US"/>
           </a:p>
@@ -793,7 +793,7 @@
           <a:p>
             <a:fld id="{530820CF-B880-4189-942D-D702A7CBA730}" type="datetimeFigureOut">
               <a:rPr lang="zh-CN" altLang="en-US" smtClean="0"/>
-              <a:t>2017/8/9</a:t>
+              <a:t>2017/9/19</a:t>
             </a:fld>
             <a:endParaRPr lang="zh-CN" altLang="en-US"/>
           </a:p>
@@ -1034,7 +1034,7 @@
           <a:p>
             <a:fld id="{530820CF-B880-4189-942D-D702A7CBA730}" type="datetimeFigureOut">
               <a:rPr lang="zh-CN" altLang="en-US" smtClean="0"/>
-              <a:t>2017/8/9</a:t>
+              <a:t>2017/9/19</a:t>
             </a:fld>
             <a:endParaRPr lang="zh-CN" altLang="en-US"/>
           </a:p>
@@ -1317,7 +1317,7 @@
           <a:p>
             <a:fld id="{530820CF-B880-4189-942D-D702A7CBA730}" type="datetimeFigureOut">
               <a:rPr lang="zh-CN" altLang="en-US" smtClean="0"/>
-              <a:t>2017/8/9</a:t>
+              <a:t>2017/9/19</a:t>
             </a:fld>
             <a:endParaRPr lang="zh-CN" altLang="en-US"/>
           </a:p>
@@ -1734,7 +1734,7 @@
           <a:p>
             <a:fld id="{530820CF-B880-4189-942D-D702A7CBA730}" type="datetimeFigureOut">
               <a:rPr lang="zh-CN" altLang="en-US" smtClean="0"/>
-              <a:t>2017/8/9</a:t>
+              <a:t>2017/9/19</a:t>
             </a:fld>
             <a:endParaRPr lang="zh-CN" altLang="en-US"/>
           </a:p>
@@ -1847,7 +1847,7 @@
           <a:p>
             <a:fld id="{530820CF-B880-4189-942D-D702A7CBA730}" type="datetimeFigureOut">
               <a:rPr lang="zh-CN" altLang="en-US" smtClean="0"/>
-              <a:t>2017/8/9</a:t>
+              <a:t>2017/9/19</a:t>
             </a:fld>
             <a:endParaRPr lang="zh-CN" altLang="en-US"/>
           </a:p>
@@ -1937,7 +1937,7 @@
           <a:p>
             <a:fld id="{530820CF-B880-4189-942D-D702A7CBA730}" type="datetimeFigureOut">
               <a:rPr lang="zh-CN" altLang="en-US" smtClean="0"/>
-              <a:t>2017/8/9</a:t>
+              <a:t>2017/9/19</a:t>
             </a:fld>
             <a:endParaRPr lang="zh-CN" altLang="en-US"/>
           </a:p>
@@ -2209,7 +2209,7 @@
           <a:p>
             <a:fld id="{530820CF-B880-4189-942D-D702A7CBA730}" type="datetimeFigureOut">
               <a:rPr lang="zh-CN" altLang="en-US" smtClean="0"/>
-              <a:t>2017/8/9</a:t>
+              <a:t>2017/9/19</a:t>
             </a:fld>
             <a:endParaRPr lang="zh-CN" altLang="en-US"/>
           </a:p>
@@ -2457,7 +2457,7 @@
           <a:p>
             <a:fld id="{530820CF-B880-4189-942D-D702A7CBA730}" type="datetimeFigureOut">
               <a:rPr lang="zh-CN" altLang="en-US" smtClean="0"/>
-              <a:t>2017/8/9</a:t>
+              <a:t>2017/9/19</a:t>
             </a:fld>
             <a:endParaRPr lang="zh-CN" altLang="en-US"/>
           </a:p>
@@ -2665,7 +2665,7 @@
           <a:p>
             <a:fld id="{530820CF-B880-4189-942D-D702A7CBA730}" type="datetimeFigureOut">
               <a:rPr lang="zh-CN" altLang="en-US" smtClean="0"/>
-              <a:t>2017/8/9</a:t>
+              <a:t>2017/9/19</a:t>
             </a:fld>
             <a:endParaRPr lang="zh-CN" altLang="en-US"/>
           </a:p>
@@ -3058,7 +3058,7 @@
         </p:blipFill>
         <p:spPr bwMode="auto">
           <a:xfrm>
-            <a:off x="252364" y="1938318"/>
+            <a:off x="108348" y="1938318"/>
             <a:ext cx="1800000" cy="1800000"/>
           </a:xfrm>
           <a:prstGeom prst="rect">
@@ -3078,6 +3078,45 @@
       </p:pic>
       <p:sp>
         <p:nvSpPr>
+          <p:cNvPr id="29" name="圆角矩形 28"/>
+          <p:cNvSpPr/>
+          <p:nvPr/>
+        </p:nvSpPr>
+        <p:spPr>
+          <a:xfrm>
+            <a:off x="4212804" y="620888"/>
+            <a:ext cx="2113116" cy="4237160"/>
+          </a:xfrm>
+          <a:prstGeom prst="roundRect">
+            <a:avLst/>
+          </a:prstGeom>
+          <a:ln/>
+        </p:spPr>
+        <p:style>
+          <a:lnRef idx="0">
+            <a:schemeClr val="accent6"/>
+          </a:lnRef>
+          <a:fillRef idx="3">
+            <a:schemeClr val="accent6"/>
+          </a:fillRef>
+          <a:effectRef idx="3">
+            <a:schemeClr val="accent6"/>
+          </a:effectRef>
+          <a:fontRef idx="minor">
+            <a:schemeClr val="lt1"/>
+          </a:fontRef>
+        </p:style>
+        <p:txBody>
+          <a:bodyPr rtlCol="0" anchor="ctr"/>
+          <a:lstStyle/>
+          <a:p>
+            <a:pPr algn="ctr"/>
+            <a:endParaRPr lang="zh-CN" altLang="en-US"/>
+          </a:p>
+        </p:txBody>
+      </p:sp>
+      <p:sp>
+        <p:nvSpPr>
           <p:cNvPr id="28" name="立方体 27"/>
           <p:cNvSpPr>
             <a:spLocks/>
@@ -3086,8 +3125,8 @@
         </p:nvSpPr>
         <p:spPr>
           <a:xfrm>
-            <a:off x="3348708" y="1794302"/>
-            <a:ext cx="1008094" cy="1944216"/>
+            <a:off x="3204692" y="2060848"/>
+            <a:ext cx="720080" cy="1440160"/>
           </a:xfrm>
           <a:prstGeom prst="cube">
             <a:avLst>
@@ -3137,7 +3176,7 @@
         </p:nvCxnSpPr>
         <p:spPr>
           <a:xfrm flipV="1">
-            <a:off x="3060676" y="2837263"/>
+            <a:off x="2916660" y="2837263"/>
             <a:ext cx="288032" cy="1955"/>
           </a:xfrm>
           <a:prstGeom prst="straightConnector1">
@@ -3166,14 +3205,12 @@
       <p:cxnSp>
         <p:nvCxnSpPr>
           <p:cNvPr id="49" name="直接箭头连接符 48"/>
-          <p:cNvCxnSpPr>
-            <a:endCxn id="83" idx="1"/>
-          </p:cNvCxnSpPr>
+          <p:cNvCxnSpPr/>
           <p:nvPr/>
         </p:nvCxnSpPr>
         <p:spPr>
           <a:xfrm>
-            <a:off x="4788868" y="4069582"/>
+            <a:off x="4399592" y="3933056"/>
             <a:ext cx="317268" cy="1689"/>
           </a:xfrm>
           <a:prstGeom prst="straightConnector1">
@@ -3207,8 +3244,8 @@
         </p:nvCxnSpPr>
         <p:spPr>
           <a:xfrm flipV="1">
-            <a:off x="4788868" y="1596174"/>
-            <a:ext cx="294" cy="2494894"/>
+            <a:off x="4423997" y="1925128"/>
+            <a:ext cx="4831" cy="2009617"/>
           </a:xfrm>
           <a:prstGeom prst="line">
             <a:avLst/>
@@ -3237,8 +3274,8 @@
         </p:nvCxnSpPr>
         <p:spPr>
           <a:xfrm flipV="1">
-            <a:off x="8882186" y="1745760"/>
-            <a:ext cx="0" cy="2332092"/>
+            <a:off x="9638130" y="2419715"/>
+            <a:ext cx="0" cy="1517085"/>
           </a:xfrm>
           <a:prstGeom prst="straightConnector1">
             <a:avLst/>
@@ -3271,8 +3308,8 @@
         </p:nvSpPr>
         <p:spPr>
           <a:xfrm>
-            <a:off x="396380" y="3738518"/>
-            <a:ext cx="1702776" cy="338554"/>
+            <a:off x="180356" y="3707740"/>
+            <a:ext cx="1702776" cy="369332"/>
           </a:xfrm>
           <a:prstGeom prst="rect">
             <a:avLst/>
@@ -3286,13 +3323,13 @@
           <a:lstStyle/>
           <a:p>
             <a:r>
-              <a:rPr lang="en-US" altLang="zh-CN" sz="1600" dirty="0" smtClean="0">
+              <a:rPr lang="en-US" altLang="zh-CN" dirty="0" smtClean="0">
                 <a:latin typeface="Times New Roman" panose="02020603050405020304" pitchFamily="18" charset="0"/>
                 <a:cs typeface="Times New Roman" panose="02020603050405020304" pitchFamily="18" charset="0"/>
               </a:rPr>
               <a:t>(a) Input Image</a:t>
             </a:r>
-            <a:endParaRPr lang="zh-CN" altLang="en-US" sz="1600" dirty="0">
+            <a:endParaRPr lang="zh-CN" altLang="en-US" dirty="0">
               <a:latin typeface="Times New Roman" panose="02020603050405020304" pitchFamily="18" charset="0"/>
               <a:cs typeface="Times New Roman" panose="02020603050405020304" pitchFamily="18" charset="0"/>
             </a:endParaRPr>
@@ -3307,8 +3344,8 @@
         </p:nvSpPr>
         <p:spPr>
           <a:xfrm>
-            <a:off x="6062736" y="4869160"/>
-            <a:ext cx="2315394" cy="338554"/>
+            <a:off x="6598961" y="4853771"/>
+            <a:ext cx="2315394" cy="369332"/>
           </a:xfrm>
           <a:prstGeom prst="rect">
             <a:avLst/>
@@ -3322,27 +3359,27 @@
           <a:lstStyle/>
           <a:p>
             <a:r>
-              <a:rPr lang="en-US" altLang="zh-CN" sz="1600" dirty="0" smtClean="0">
+              <a:rPr lang="en-US" altLang="zh-CN" dirty="0" smtClean="0">
                 <a:latin typeface="Times New Roman" panose="02020603050405020304" pitchFamily="18" charset="0"/>
                 <a:cs typeface="Times New Roman" panose="02020603050405020304" pitchFamily="18" charset="0"/>
               </a:rPr>
-              <a:t>(d) Objectness </a:t>
-            </a:r>
-            <a:r>
-              <a:rPr lang="en-US" altLang="zh-CN" sz="1600" dirty="0">
+              <a:t>(d) </a:t>
+            </a:r>
+            <a:r>
+              <a:rPr lang="en-US" altLang="zh-CN" dirty="0">
                 <a:latin typeface="Times New Roman" panose="02020603050405020304" pitchFamily="18" charset="0"/>
                 <a:cs typeface="Times New Roman" panose="02020603050405020304" pitchFamily="18" charset="0"/>
               </a:rPr>
-              <a:t>S</a:t>
-            </a:r>
-            <a:r>
-              <a:rPr lang="en-US" altLang="zh-CN" sz="1600" dirty="0" smtClean="0">
+              <a:t>O</a:t>
+            </a:r>
+            <a:r>
+              <a:rPr lang="en-US" altLang="zh-CN" dirty="0" smtClean="0">
                 <a:latin typeface="Times New Roman" panose="02020603050405020304" pitchFamily="18" charset="0"/>
                 <a:cs typeface="Times New Roman" panose="02020603050405020304" pitchFamily="18" charset="0"/>
               </a:rPr>
-              <a:t>cores</a:t>
-            </a:r>
-            <a:endParaRPr lang="zh-CN" altLang="en-US" sz="1600" dirty="0">
+              <a:t>bjectness Score</a:t>
+            </a:r>
+            <a:endParaRPr lang="zh-CN" altLang="en-US" dirty="0">
               <a:latin typeface="Times New Roman" panose="02020603050405020304" pitchFamily="18" charset="0"/>
               <a:cs typeface="Times New Roman" panose="02020603050405020304" pitchFamily="18" charset="0"/>
             </a:endParaRPr>
@@ -3387,8 +3424,8 @@
         </p:nvSpPr>
         <p:spPr>
           <a:xfrm>
-            <a:off x="2628628" y="3789040"/>
-            <a:ext cx="2254179" cy="338554"/>
+            <a:off x="2772645" y="3502749"/>
+            <a:ext cx="1512167" cy="646331"/>
           </a:xfrm>
           <a:prstGeom prst="rect">
             <a:avLst/>
@@ -3401,56 +3438,36 @@
           </a:bodyPr>
           <a:lstStyle/>
           <a:p>
-            <a:r>
-              <a:rPr lang="en-US" altLang="zh-CN" sz="1600" dirty="0" smtClean="0">
+            <a:pPr algn="ctr"/>
+            <a:r>
+              <a:rPr lang="en-US" altLang="zh-CN" dirty="0" smtClean="0">
                 <a:latin typeface="Times New Roman" panose="02020603050405020304" pitchFamily="18" charset="0"/>
                 <a:cs typeface="Times New Roman" panose="02020603050405020304" pitchFamily="18" charset="0"/>
               </a:rPr>
               <a:t>(b) </a:t>
             </a:r>
             <a:r>
-              <a:rPr lang="en-US" altLang="zh-CN" sz="1600" dirty="0">
+              <a:rPr lang="en-US" altLang="zh-CN" dirty="0" smtClean="0">
                 <a:latin typeface="Times New Roman" panose="02020603050405020304" pitchFamily="18" charset="0"/>
                 <a:cs typeface="Times New Roman" panose="02020603050405020304" pitchFamily="18" charset="0"/>
               </a:rPr>
-              <a:t>S</a:t>
-            </a:r>
-            <a:r>
-              <a:rPr lang="en-US" altLang="zh-CN" sz="1600" dirty="0" smtClean="0">
-                <a:latin typeface="Times New Roman" panose="02020603050405020304" pitchFamily="18" charset="0"/>
-                <a:cs typeface="Times New Roman" panose="02020603050405020304" pitchFamily="18" charset="0"/>
-              </a:rPr>
-              <a:t>hared </a:t>
-            </a:r>
-            <a:r>
-              <a:rPr lang="en-US" altLang="zh-CN" sz="1600" dirty="0">
-                <a:latin typeface="Times New Roman" panose="02020603050405020304" pitchFamily="18" charset="0"/>
-                <a:cs typeface="Times New Roman" panose="02020603050405020304" pitchFamily="18" charset="0"/>
-              </a:rPr>
-              <a:t>F</a:t>
-            </a:r>
-            <a:r>
-              <a:rPr lang="en-US" altLang="zh-CN" sz="1600" dirty="0" smtClean="0">
-                <a:latin typeface="Times New Roman" panose="02020603050405020304" pitchFamily="18" charset="0"/>
-                <a:cs typeface="Times New Roman" panose="02020603050405020304" pitchFamily="18" charset="0"/>
-              </a:rPr>
-              <a:t>eature </a:t>
-            </a:r>
-            <a:r>
-              <a:rPr lang="en-US" altLang="zh-CN" sz="1600" dirty="0">
+              <a:t>Feature </a:t>
+            </a:r>
+            <a:r>
+              <a:rPr lang="en-US" altLang="zh-CN" dirty="0">
                 <a:latin typeface="Times New Roman" panose="02020603050405020304" pitchFamily="18" charset="0"/>
                 <a:cs typeface="Times New Roman" panose="02020603050405020304" pitchFamily="18" charset="0"/>
               </a:rPr>
               <a:t>M</a:t>
             </a:r>
             <a:r>
-              <a:rPr lang="en-US" altLang="zh-CN" sz="1600" dirty="0" smtClean="0">
+              <a:rPr lang="en-US" altLang="zh-CN" dirty="0" smtClean="0">
                 <a:latin typeface="Times New Roman" panose="02020603050405020304" pitchFamily="18" charset="0"/>
                 <a:cs typeface="Times New Roman" panose="02020603050405020304" pitchFamily="18" charset="0"/>
               </a:rPr>
               <a:t>aps</a:t>
             </a:r>
-            <a:endParaRPr lang="zh-CN" altLang="en-US" sz="1600" dirty="0">
+            <a:endParaRPr lang="zh-CN" altLang="en-US" dirty="0">
               <a:latin typeface="Times New Roman" panose="02020603050405020304" pitchFamily="18" charset="0"/>
               <a:cs typeface="Times New Roman" panose="02020603050405020304" pitchFamily="18" charset="0"/>
             </a:endParaRPr>
@@ -3460,15 +3477,13 @@
       <p:cxnSp>
         <p:nvCxnSpPr>
           <p:cNvPr id="65" name="直接箭头连接符 64"/>
-          <p:cNvCxnSpPr>
-            <a:endCxn id="64" idx="1"/>
-          </p:cNvCxnSpPr>
+          <p:cNvCxnSpPr/>
           <p:nvPr/>
         </p:nvCxnSpPr>
         <p:spPr>
           <a:xfrm flipV="1">
-            <a:off x="8065092" y="4071271"/>
-            <a:ext cx="1759023" cy="5801"/>
+            <a:off x="8450138" y="3930999"/>
+            <a:ext cx="2238055" cy="5802"/>
           </a:xfrm>
           <a:prstGeom prst="straightConnector1">
             <a:avLst/>
@@ -3495,7 +3510,7 @@
       </p:cxnSp>
       <p:pic>
         <p:nvPicPr>
-          <p:cNvPr id="50" name="Picture 10"/>
+          <p:cNvPr id="1030" name="Picture 6"/>
           <p:cNvPicPr>
             <a:picLocks noChangeAspect="1" noChangeArrowheads="1"/>
           </p:cNvPicPr>
@@ -3516,8 +3531,8 @@
         </p:blipFill>
         <p:spPr bwMode="auto">
           <a:xfrm>
-            <a:off x="5785842" y="567955"/>
-            <a:ext cx="1811392" cy="1800000"/>
+            <a:off x="10466362" y="620888"/>
+            <a:ext cx="1805607" cy="1800000"/>
           </a:xfrm>
           <a:prstGeom prst="rect">
             <a:avLst/>
@@ -3551,9 +3566,43 @@
           </a:extLst>
         </p:spPr>
       </p:pic>
+      <p:cxnSp>
+        <p:nvCxnSpPr>
+          <p:cNvPr id="92" name="直接箭头连接符 91"/>
+          <p:cNvCxnSpPr/>
+          <p:nvPr/>
+        </p:nvCxnSpPr>
+        <p:spPr>
+          <a:xfrm>
+            <a:off x="11762506" y="2846965"/>
+            <a:ext cx="1" cy="510027"/>
+          </a:xfrm>
+          <a:prstGeom prst="straightConnector1">
+            <a:avLst/>
+          </a:prstGeom>
+          <a:ln>
+            <a:headEnd type="none" w="med" len="med"/>
+            <a:tailEnd type="triangle" w="med" len="med"/>
+          </a:ln>
+        </p:spPr>
+        <p:style>
+          <a:lnRef idx="2">
+            <a:schemeClr val="dk1"/>
+          </a:lnRef>
+          <a:fillRef idx="0">
+            <a:schemeClr val="dk1"/>
+          </a:fillRef>
+          <a:effectRef idx="1">
+            <a:schemeClr val="dk1"/>
+          </a:effectRef>
+          <a:fontRef idx="minor">
+            <a:schemeClr val="tx1"/>
+          </a:fontRef>
+        </p:style>
+      </p:cxnSp>
       <p:pic>
         <p:nvPicPr>
-          <p:cNvPr id="1030" name="Picture 6"/>
+          <p:cNvPr id="26" name="Picture 7"/>
           <p:cNvPicPr>
             <a:picLocks noChangeAspect="1" noChangeArrowheads="1"/>
           </p:cNvPicPr>
@@ -3574,8 +3623,8 @@
         </p:blipFill>
         <p:spPr bwMode="auto">
           <a:xfrm>
-            <a:off x="9212038" y="567955"/>
-            <a:ext cx="1805607" cy="1800000"/>
+            <a:off x="6096592" y="808677"/>
+            <a:ext cx="1777500" cy="1655010"/>
           </a:xfrm>
           <a:prstGeom prst="rect">
             <a:avLst/>
@@ -3611,16 +3660,14 @@
       </p:pic>
       <p:cxnSp>
         <p:nvCxnSpPr>
-          <p:cNvPr id="92" name="直接箭头连接符 91"/>
-          <p:cNvCxnSpPr>
-            <a:endCxn id="64" idx="0"/>
-          </p:cNvCxnSpPr>
+          <p:cNvPr id="93" name="直接箭头连接符 92"/>
+          <p:cNvCxnSpPr/>
           <p:nvPr/>
         </p:nvCxnSpPr>
         <p:spPr>
-          <a:xfrm>
-            <a:off x="10243632" y="2911806"/>
-            <a:ext cx="1" cy="981347"/>
+          <a:xfrm flipV="1">
+            <a:off x="4408744" y="1925127"/>
+            <a:ext cx="380124" cy="1"/>
           </a:xfrm>
           <a:prstGeom prst="straightConnector1">
             <a:avLst/>
@@ -3647,7 +3694,7 @@
       </p:cxnSp>
       <p:pic>
         <p:nvPicPr>
-          <p:cNvPr id="26" name="Picture 7"/>
+          <p:cNvPr id="21" name="Picture 5"/>
           <p:cNvPicPr>
             <a:picLocks noChangeAspect="1" noChangeArrowheads="1"/>
           </p:cNvPicPr>
@@ -3668,8 +3715,8 @@
         </p:blipFill>
         <p:spPr bwMode="auto">
           <a:xfrm>
-            <a:off x="6024566" y="567955"/>
-            <a:ext cx="1777500" cy="1800000"/>
+            <a:off x="10688193" y="620888"/>
+            <a:ext cx="1794393" cy="1800000"/>
           </a:xfrm>
           <a:prstGeom prst="rect">
             <a:avLst/>
@@ -3703,45 +3750,59 @@
           </a:extLst>
         </p:spPr>
       </p:pic>
-      <p:cxnSp>
-        <p:nvCxnSpPr>
-          <p:cNvPr id="93" name="直接箭头连接符 92"/>
-          <p:cNvCxnSpPr>
-            <a:endCxn id="78" idx="1"/>
-          </p:cNvCxnSpPr>
+      <p:sp>
+        <p:nvSpPr>
+          <p:cNvPr id="120" name="TextBox 119"/>
+          <p:cNvSpPr txBox="1"/>
           <p:nvPr/>
-        </p:nvCxnSpPr>
-        <p:spPr>
-          <a:xfrm flipV="1">
-            <a:off x="4788868" y="1567642"/>
-            <a:ext cx="380124" cy="5323"/>
-          </a:xfrm>
-          <a:prstGeom prst="straightConnector1">
+        </p:nvSpPr>
+        <p:spPr>
+          <a:xfrm>
+            <a:off x="12925772" y="4842659"/>
+            <a:ext cx="2315394" cy="369332"/>
+          </a:xfrm>
+          <a:prstGeom prst="rect">
             <a:avLst/>
           </a:prstGeom>
-          <a:ln>
-            <a:headEnd type="none" w="med" len="med"/>
-            <a:tailEnd type="triangle" w="med" len="med"/>
-          </a:ln>
-        </p:spPr>
-        <p:style>
-          <a:lnRef idx="2">
-            <a:schemeClr val="dk1"/>
-          </a:lnRef>
-          <a:fillRef idx="0">
-            <a:schemeClr val="dk1"/>
-          </a:fillRef>
-          <a:effectRef idx="1">
-            <a:schemeClr val="dk1"/>
-          </a:effectRef>
-          <a:fontRef idx="minor">
-            <a:schemeClr val="tx1"/>
-          </a:fontRef>
-        </p:style>
-      </p:cxnSp>
+          <a:noFill/>
+        </p:spPr>
+        <p:txBody>
+          <a:bodyPr wrap="square" rtlCol="0" anchor="ctr">
+            <a:spAutoFit/>
+          </a:bodyPr>
+          <a:lstStyle/>
+          <a:p>
+            <a:r>
+              <a:rPr lang="en-US" altLang="zh-CN" dirty="0" smtClean="0">
+                <a:latin typeface="Times New Roman" panose="02020603050405020304" pitchFamily="18" charset="0"/>
+                <a:cs typeface="Times New Roman" panose="02020603050405020304" pitchFamily="18" charset="0"/>
+              </a:rPr>
+              <a:t>(f) </a:t>
+            </a:r>
+            <a:r>
+              <a:rPr lang="en-US" altLang="zh-CN" dirty="0">
+                <a:latin typeface="Times New Roman" panose="02020603050405020304" pitchFamily="18" charset="0"/>
+                <a:cs typeface="Times New Roman" panose="02020603050405020304" pitchFamily="18" charset="0"/>
+              </a:rPr>
+              <a:t>F</a:t>
+            </a:r>
+            <a:r>
+              <a:rPr lang="en-US" altLang="zh-CN" dirty="0" smtClean="0">
+                <a:latin typeface="Times New Roman" panose="02020603050405020304" pitchFamily="18" charset="0"/>
+                <a:cs typeface="Times New Roman" panose="02020603050405020304" pitchFamily="18" charset="0"/>
+              </a:rPr>
+              <a:t>inal Segmentation</a:t>
+            </a:r>
+            <a:endParaRPr lang="zh-CN" altLang="en-US" dirty="0">
+              <a:latin typeface="Times New Roman" panose="02020603050405020304" pitchFamily="18" charset="0"/>
+              <a:cs typeface="Times New Roman" panose="02020603050405020304" pitchFamily="18" charset="0"/>
+            </a:endParaRPr>
+          </a:p>
+        </p:txBody>
+      </p:sp>
       <p:pic>
         <p:nvPicPr>
-          <p:cNvPr id="21" name="Picture 5"/>
+          <p:cNvPr id="50" name="Picture 10"/>
           <p:cNvPicPr>
             <a:picLocks noChangeAspect="1" noChangeArrowheads="1"/>
           </p:cNvPicPr>
@@ -3762,8 +3823,8 @@
         </p:blipFill>
         <p:spPr bwMode="auto">
           <a:xfrm>
-            <a:off x="9407181" y="567955"/>
-            <a:ext cx="1794393" cy="1800000"/>
+            <a:off x="6371568" y="831196"/>
+            <a:ext cx="1811392" cy="1611038"/>
           </a:xfrm>
           <a:prstGeom prst="rect">
             <a:avLst/>
@@ -3799,14 +3860,14 @@
       </p:pic>
       <p:sp>
         <p:nvSpPr>
-          <p:cNvPr id="120" name="TextBox 119"/>
+          <p:cNvPr id="129" name="TextBox 128"/>
           <p:cNvSpPr txBox="1"/>
           <p:nvPr/>
         </p:nvSpPr>
         <p:spPr>
           <a:xfrm>
-            <a:off x="11114434" y="4869160"/>
-            <a:ext cx="2315394" cy="338554"/>
+            <a:off x="6422776" y="2627620"/>
+            <a:ext cx="2315394" cy="369332"/>
           </a:xfrm>
           <a:prstGeom prst="rect">
             <a:avLst/>
@@ -3819,100 +3880,50 @@
           </a:bodyPr>
           <a:lstStyle/>
           <a:p>
-            <a:r>
-              <a:rPr lang="en-US" altLang="zh-CN" sz="1600" dirty="0" smtClean="0">
-                <a:latin typeface="Times New Roman" panose="02020603050405020304" pitchFamily="18" charset="0"/>
-                <a:cs typeface="Times New Roman" panose="02020603050405020304" pitchFamily="18" charset="0"/>
-              </a:rPr>
-              <a:t>(f) </a:t>
-            </a:r>
-            <a:r>
-              <a:rPr lang="en-US" altLang="zh-CN" sz="1600" dirty="0">
-                <a:latin typeface="Times New Roman" panose="02020603050405020304" pitchFamily="18" charset="0"/>
-                <a:cs typeface="Times New Roman" panose="02020603050405020304" pitchFamily="18" charset="0"/>
-              </a:rPr>
-              <a:t>F</a:t>
-            </a:r>
-            <a:r>
-              <a:rPr lang="en-US" altLang="zh-CN" sz="1600" dirty="0" smtClean="0">
-                <a:latin typeface="Times New Roman" panose="02020603050405020304" pitchFamily="18" charset="0"/>
-                <a:cs typeface="Times New Roman" panose="02020603050405020304" pitchFamily="18" charset="0"/>
-              </a:rPr>
-              <a:t>inal Segmentation</a:t>
-            </a:r>
-            <a:endParaRPr lang="zh-CN" altLang="en-US" sz="1600" dirty="0">
-              <a:latin typeface="Times New Roman" panose="02020603050405020304" pitchFamily="18" charset="0"/>
-              <a:cs typeface="Times New Roman" panose="02020603050405020304" pitchFamily="18" charset="0"/>
-            </a:endParaRPr>
-          </a:p>
-        </p:txBody>
-      </p:sp>
-      <p:sp>
-        <p:nvSpPr>
-          <p:cNvPr id="129" name="TextBox 128"/>
-          <p:cNvSpPr txBox="1"/>
-          <p:nvPr/>
-        </p:nvSpPr>
-        <p:spPr>
-          <a:xfrm>
-            <a:off x="6001866" y="2541444"/>
-            <a:ext cx="2315394" cy="338554"/>
-          </a:xfrm>
-          <a:prstGeom prst="rect">
-            <a:avLst/>
-          </a:prstGeom>
-          <a:noFill/>
-        </p:spPr>
-        <p:txBody>
-          <a:bodyPr wrap="square" rtlCol="0" anchor="ctr">
-            <a:spAutoFit/>
-          </a:bodyPr>
-          <a:lstStyle/>
-          <a:p>
             <a:pPr algn="ctr"/>
             <a:r>
-              <a:rPr lang="en-US" altLang="zh-CN" sz="1600" dirty="0" smtClean="0">
+              <a:rPr lang="en-US" altLang="zh-CN" dirty="0" smtClean="0">
                 <a:latin typeface="Times New Roman" panose="02020603050405020304" pitchFamily="18" charset="0"/>
                 <a:cs typeface="Times New Roman" panose="02020603050405020304" pitchFamily="18" charset="0"/>
               </a:rPr>
               <a:t>(c</a:t>
             </a:r>
             <a:r>
-              <a:rPr lang="en-US" altLang="zh-CN" sz="1600" b="1" dirty="0" smtClean="0">
+              <a:rPr lang="en-US" altLang="zh-CN" b="1" dirty="0" smtClean="0">
                 <a:latin typeface="Times New Roman" panose="02020603050405020304" pitchFamily="18" charset="0"/>
                 <a:cs typeface="Times New Roman" panose="02020603050405020304" pitchFamily="18" charset="0"/>
               </a:rPr>
               <a:t>) </a:t>
             </a:r>
             <a:r>
-              <a:rPr lang="en-US" altLang="zh-CN" sz="1600" dirty="0">
+              <a:rPr lang="en-US" altLang="zh-CN" dirty="0">
                 <a:latin typeface="Times New Roman" panose="02020603050405020304" pitchFamily="18" charset="0"/>
                 <a:cs typeface="Times New Roman" panose="02020603050405020304" pitchFamily="18" charset="0"/>
               </a:rPr>
               <a:t>S</a:t>
             </a:r>
             <a:r>
-              <a:rPr lang="en-US" altLang="zh-CN" sz="1600" dirty="0" smtClean="0">
+              <a:rPr lang="en-US" altLang="zh-CN" dirty="0" smtClean="0">
                 <a:latin typeface="Times New Roman" panose="02020603050405020304" pitchFamily="18" charset="0"/>
                 <a:cs typeface="Times New Roman" panose="02020603050405020304" pitchFamily="18" charset="0"/>
               </a:rPr>
               <a:t>hape </a:t>
             </a:r>
             <a:r>
-              <a:rPr lang="en-US" altLang="zh-CN" sz="1600" dirty="0">
+              <a:rPr lang="en-US" altLang="zh-CN" dirty="0">
                 <a:latin typeface="Times New Roman" panose="02020603050405020304" pitchFamily="18" charset="0"/>
                 <a:cs typeface="Times New Roman" panose="02020603050405020304" pitchFamily="18" charset="0"/>
               </a:rPr>
               <a:t>P</a:t>
             </a:r>
             <a:r>
-              <a:rPr lang="en-US" altLang="zh-CN" sz="1600" dirty="0" smtClean="0">
+              <a:rPr lang="en-US" altLang="zh-CN" dirty="0" smtClean="0">
                 <a:latin typeface="Times New Roman" panose="02020603050405020304" pitchFamily="18" charset="0"/>
                 <a:cs typeface="Times New Roman" panose="02020603050405020304" pitchFamily="18" charset="0"/>
               </a:rPr>
               <a:t>arameters</a:t>
             </a:r>
-            <a:endParaRPr lang="zh-CN" altLang="en-US" sz="1600" dirty="0">
+            <a:endParaRPr lang="zh-CN" altLang="en-US" dirty="0">
               <a:latin typeface="Times New Roman" panose="02020603050405020304" pitchFamily="18" charset="0"/>
               <a:cs typeface="Times New Roman" panose="02020603050405020304" pitchFamily="18" charset="0"/>
             </a:endParaRPr>
@@ -3942,7 +3953,7 @@
         </p:blipFill>
         <p:spPr bwMode="auto">
           <a:xfrm>
-            <a:off x="9572078" y="567955"/>
+            <a:off x="10966833" y="620888"/>
             <a:ext cx="1816981" cy="1800000"/>
           </a:xfrm>
           <a:prstGeom prst="rect">
@@ -4000,7 +4011,7 @@
         </p:blipFill>
         <p:spPr bwMode="auto">
           <a:xfrm>
-            <a:off x="9778595" y="567955"/>
+            <a:off x="11268061" y="620888"/>
             <a:ext cx="1800000" cy="1800000"/>
           </a:xfrm>
           <a:prstGeom prst="rect">
@@ -4043,8 +4054,8 @@
         </p:nvSpPr>
         <p:spPr>
           <a:xfrm>
-            <a:off x="8522146" y="2541444"/>
-            <a:ext cx="3611538" cy="338554"/>
+            <a:off x="10065385" y="2545636"/>
+            <a:ext cx="3611538" cy="369332"/>
           </a:xfrm>
           <a:prstGeom prst="rect">
             <a:avLst/>
@@ -4059,28 +4070,28 @@
           <a:p>
             <a:pPr algn="ctr"/>
             <a:r>
-              <a:rPr lang="en-US" altLang="zh-CN" sz="1600" dirty="0" smtClean="0">
+              <a:rPr lang="en-US" altLang="zh-CN" dirty="0" smtClean="0">
                 <a:latin typeface="Times New Roman" panose="02020603050405020304" pitchFamily="18" charset="0"/>
                 <a:cs typeface="Times New Roman" panose="02020603050405020304" pitchFamily="18" charset="0"/>
               </a:rPr>
               <a:t>(e</a:t>
             </a:r>
             <a:r>
-              <a:rPr lang="en-US" altLang="zh-CN" sz="1600" b="1" dirty="0" smtClean="0">
+              <a:rPr lang="en-US" altLang="zh-CN" b="1" dirty="0" smtClean="0">
                 <a:latin typeface="Times New Roman" panose="02020603050405020304" pitchFamily="18" charset="0"/>
                 <a:cs typeface="Times New Roman" panose="02020603050405020304" pitchFamily="18" charset="0"/>
               </a:rPr>
               <a:t>)</a:t>
             </a:r>
             <a:r>
-              <a:rPr lang="en-US" altLang="zh-CN" sz="1600" dirty="0">
+              <a:rPr lang="en-US" altLang="zh-CN" dirty="0">
                 <a:latin typeface="Times New Roman" panose="02020603050405020304" pitchFamily="18" charset="0"/>
                 <a:cs typeface="Times New Roman" panose="02020603050405020304" pitchFamily="18" charset="0"/>
               </a:rPr>
               <a:t> </a:t>
             </a:r>
             <a:r>
-              <a:rPr lang="en-US" altLang="zh-CN" sz="1600" dirty="0" smtClean="0">
+              <a:rPr lang="en-US" altLang="zh-CN" dirty="0" smtClean="0">
                 <a:latin typeface="Times New Roman" panose="02020603050405020304" pitchFamily="18" charset="0"/>
                 <a:cs typeface="Times New Roman" panose="02020603050405020304" pitchFamily="18" charset="0"/>
               </a:rPr>
@@ -4112,7 +4123,7 @@
         </p:blipFill>
         <p:spPr bwMode="auto">
           <a:xfrm>
-            <a:off x="6217890" y="3104264"/>
+            <a:off x="6650138" y="3093152"/>
             <a:ext cx="1800000" cy="1800000"/>
           </a:xfrm>
           <a:prstGeom prst="rect">
@@ -4166,8 +4177,8 @@
         </p:blipFill>
         <p:spPr bwMode="auto">
           <a:xfrm>
-            <a:off x="6230773" y="567955"/>
-            <a:ext cx="1811320" cy="1800000"/>
+            <a:off x="6680436" y="816463"/>
+            <a:ext cx="1811320" cy="1603252"/>
           </a:xfrm>
           <a:prstGeom prst="rect">
             <a:avLst/>
@@ -4224,8 +4235,8 @@
         </p:blipFill>
         <p:spPr bwMode="auto">
           <a:xfrm>
-            <a:off x="6470800" y="567955"/>
-            <a:ext cx="1811320" cy="1800000"/>
+            <a:off x="6989232" y="816463"/>
+            <a:ext cx="1811320" cy="1603251"/>
           </a:xfrm>
           <a:prstGeom prst="rect">
             <a:avLst/>
@@ -4282,8 +4293,8 @@
         </p:blipFill>
         <p:spPr bwMode="auto">
           <a:xfrm>
-            <a:off x="6710826" y="567955"/>
-            <a:ext cx="1811320" cy="1800000"/>
+            <a:off x="7298028" y="808676"/>
+            <a:ext cx="1811320" cy="1603251"/>
           </a:xfrm>
           <a:prstGeom prst="rect">
             <a:avLst/>
@@ -4340,7 +4351,7 @@
         </p:blipFill>
         <p:spPr bwMode="auto">
           <a:xfrm>
-            <a:off x="9968131" y="567955"/>
+            <a:off x="11552307" y="620888"/>
             <a:ext cx="1794375" cy="1800000"/>
           </a:xfrm>
           <a:prstGeom prst="rect">
@@ -4383,30 +4394,23 @@
         </p:nvSpPr>
         <p:spPr>
           <a:xfrm>
-            <a:off x="8522146" y="1396571"/>
-            <a:ext cx="720080" cy="356236"/>
+            <a:off x="8833550" y="1196752"/>
+            <a:ext cx="1684091" cy="1222962"/>
           </a:xfrm>
           <a:prstGeom prst="rect">
             <a:avLst/>
           </a:prstGeom>
-          <a:noFill/>
-          <a:ln w="19050">
-            <a:solidFill>
-              <a:schemeClr val="tx1"/>
-            </a:solidFill>
-          </a:ln>
+          <a:ln/>
         </p:spPr>
         <p:style>
-          <a:lnRef idx="2">
-            <a:schemeClr val="accent1">
-              <a:shade val="50000"/>
-            </a:schemeClr>
+          <a:lnRef idx="0">
+            <a:schemeClr val="accent5"/>
           </a:lnRef>
-          <a:fillRef idx="1">
-            <a:schemeClr val="accent1"/>
+          <a:fillRef idx="3">
+            <a:schemeClr val="accent5"/>
           </a:fillRef>
-          <a:effectRef idx="0">
-            <a:schemeClr val="accent1"/>
+          <a:effectRef idx="3">
+            <a:schemeClr val="accent5"/>
           </a:effectRef>
           <a:fontRef idx="minor">
             <a:schemeClr val="lt1"/>
@@ -4418,14 +4422,30 @@
           <a:p>
             <a:pPr algn="ctr"/>
             <a:r>
-              <a:rPr lang="en-US" altLang="zh-CN" dirty="0" smtClean="0">
+              <a:rPr lang="en-US" altLang="zh-CN" sz="2400" b="1" dirty="0" smtClean="0">
                 <a:solidFill>
                   <a:schemeClr val="tx1"/>
                 </a:solidFill>
               </a:rPr>
-              <a:t>SMP</a:t>
-            </a:r>
-            <a:endParaRPr lang="zh-CN" altLang="en-US" dirty="0">
+              <a:t>Split </a:t>
+            </a:r>
+            <a:r>
+              <a:rPr lang="en-US" altLang="zh-CN" sz="2400" b="1" dirty="0">
+                <a:solidFill>
+                  <a:schemeClr val="tx1"/>
+                </a:solidFill>
+              </a:rPr>
+              <a:t>M</a:t>
+            </a:r>
+            <a:r>
+              <a:rPr lang="en-US" altLang="zh-CN" sz="2400" b="1" dirty="0" smtClean="0">
+                <a:solidFill>
+                  <a:schemeClr val="tx1"/>
+                </a:solidFill>
+              </a:rPr>
+              <a:t>ax Pooling</a:t>
+            </a:r>
+            <a:endParaRPr lang="zh-CN" altLang="en-US" sz="2400" b="1" dirty="0">
               <a:solidFill>
                 <a:schemeClr val="tx1"/>
               </a:solidFill>
@@ -4441,8 +4461,8 @@
         </p:nvCxnSpPr>
         <p:spPr>
           <a:xfrm flipV="1">
-            <a:off x="8065092" y="1565740"/>
-            <a:ext cx="457054" cy="3700"/>
+            <a:off x="8467038" y="1921428"/>
+            <a:ext cx="393581" cy="3700"/>
           </a:xfrm>
           <a:prstGeom prst="straightConnector1">
             <a:avLst/>
@@ -4467,72 +4487,6 @@
           </a:fontRef>
         </p:style>
       </p:cxnSp>
-      <p:sp>
-        <p:nvSpPr>
-          <p:cNvPr id="64" name="矩形 63"/>
-          <p:cNvSpPr/>
-          <p:nvPr/>
-        </p:nvSpPr>
-        <p:spPr>
-          <a:xfrm>
-            <a:off x="9824115" y="3893153"/>
-            <a:ext cx="839035" cy="356236"/>
-          </a:xfrm>
-          <a:prstGeom prst="rect">
-            <a:avLst/>
-          </a:prstGeom>
-          <a:noFill/>
-          <a:ln w="19050">
-            <a:solidFill>
-              <a:schemeClr val="tx1"/>
-            </a:solidFill>
-          </a:ln>
-        </p:spPr>
-        <p:style>
-          <a:lnRef idx="2">
-            <a:schemeClr val="accent1">
-              <a:shade val="50000"/>
-            </a:schemeClr>
-          </a:lnRef>
-          <a:fillRef idx="1">
-            <a:schemeClr val="accent1"/>
-          </a:fillRef>
-          <a:effectRef idx="0">
-            <a:schemeClr val="accent1"/>
-          </a:effectRef>
-          <a:fontRef idx="minor">
-            <a:schemeClr val="lt1"/>
-          </a:fontRef>
-        </p:style>
-        <p:txBody>
-          <a:bodyPr rtlCol="0" anchor="ctr"/>
-          <a:lstStyle/>
-          <a:p>
-            <a:pPr algn="ctr"/>
-            <a:r>
-              <a:rPr lang="en-US" altLang="zh-CN" dirty="0">
-                <a:solidFill>
-                  <a:schemeClr val="tx1"/>
-                </a:solidFill>
-              </a:rPr>
-              <a:t>F</a:t>
-            </a:r>
-            <a:r>
-              <a:rPr lang="en-US" altLang="zh-CN" smtClean="0">
-                <a:solidFill>
-                  <a:schemeClr val="tx1"/>
-                </a:solidFill>
-              </a:rPr>
-              <a:t>usion</a:t>
-            </a:r>
-            <a:endParaRPr lang="zh-CN" altLang="en-US" dirty="0">
-              <a:solidFill>
-                <a:schemeClr val="tx1"/>
-              </a:solidFill>
-            </a:endParaRPr>
-          </a:p>
-        </p:txBody>
-      </p:sp>
       <p:cxnSp>
         <p:nvCxnSpPr>
           <p:cNvPr id="68" name="直接箭头连接符 67"/>
@@ -4541,7 +4495,7 @@
         </p:nvCxnSpPr>
         <p:spPr>
           <a:xfrm flipV="1">
-            <a:off x="9242226" y="1567589"/>
+            <a:off x="10548371" y="1939332"/>
             <a:ext cx="431848" cy="2"/>
           </a:xfrm>
           <a:prstGeom prst="straightConnector1">
@@ -4570,14 +4524,12 @@
       <p:cxnSp>
         <p:nvCxnSpPr>
           <p:cNvPr id="71" name="直接箭头连接符 70"/>
-          <p:cNvCxnSpPr>
-            <a:stCxn id="64" idx="3"/>
-          </p:cNvCxnSpPr>
+          <p:cNvCxnSpPr/>
           <p:nvPr/>
         </p:nvCxnSpPr>
         <p:spPr>
           <a:xfrm flipV="1">
-            <a:off x="10663150" y="4069582"/>
+            <a:off x="12410578" y="3956915"/>
             <a:ext cx="570518" cy="1689"/>
           </a:xfrm>
           <a:prstGeom prst="straightConnector1">
@@ -4603,64 +4555,6 @@
           </a:fontRef>
         </p:style>
       </p:cxnSp>
-      <p:sp>
-        <p:nvSpPr>
-          <p:cNvPr id="78" name="矩形 77"/>
-          <p:cNvSpPr/>
-          <p:nvPr/>
-        </p:nvSpPr>
-        <p:spPr>
-          <a:xfrm>
-            <a:off x="5168992" y="1389524"/>
-            <a:ext cx="720080" cy="356236"/>
-          </a:xfrm>
-          <a:prstGeom prst="rect">
-            <a:avLst/>
-          </a:prstGeom>
-          <a:noFill/>
-          <a:ln w="19050">
-            <a:solidFill>
-              <a:schemeClr val="tx1"/>
-            </a:solidFill>
-          </a:ln>
-        </p:spPr>
-        <p:style>
-          <a:lnRef idx="2">
-            <a:schemeClr val="accent1">
-              <a:shade val="50000"/>
-            </a:schemeClr>
-          </a:lnRef>
-          <a:fillRef idx="1">
-            <a:schemeClr val="accent1"/>
-          </a:fillRef>
-          <a:effectRef idx="0">
-            <a:schemeClr val="accent1"/>
-          </a:effectRef>
-          <a:fontRef idx="minor">
-            <a:schemeClr val="lt1"/>
-          </a:fontRef>
-        </p:style>
-        <p:txBody>
-          <a:bodyPr rtlCol="0" anchor="ctr"/>
-          <a:lstStyle/>
-          <a:p>
-            <a:pPr algn="ctr"/>
-            <a:r>
-              <a:rPr lang="en-US" altLang="zh-CN" dirty="0" smtClean="0">
-                <a:solidFill>
-                  <a:schemeClr val="tx1"/>
-                </a:solidFill>
-              </a:rPr>
-              <a:t>Conv</a:t>
-            </a:r>
-            <a:endParaRPr lang="zh-CN" altLang="en-US" dirty="0">
-              <a:solidFill>
-                <a:schemeClr val="tx1"/>
-              </a:solidFill>
-            </a:endParaRPr>
-          </a:p>
-        </p:txBody>
-      </p:sp>
       <p:cxnSp>
         <p:nvCxnSpPr>
           <p:cNvPr id="80" name="直接箭头连接符 79"/>
@@ -4668,9 +4562,9 @@
           <p:nvPr/>
         </p:nvCxnSpPr>
         <p:spPr>
-          <a:xfrm>
-            <a:off x="5880126" y="1562217"/>
-            <a:ext cx="348902" cy="1724"/>
+          <a:xfrm flipV="1">
+            <a:off x="5936452" y="1943032"/>
+            <a:ext cx="575860" cy="1"/>
           </a:xfrm>
           <a:prstGeom prst="straightConnector1">
             <a:avLst/>
@@ -4697,36 +4591,29 @@
       </p:cxnSp>
       <p:sp>
         <p:nvSpPr>
-          <p:cNvPr id="83" name="矩形 82"/>
+          <p:cNvPr id="106" name="矩形 105"/>
           <p:cNvSpPr/>
           <p:nvPr/>
         </p:nvSpPr>
         <p:spPr>
           <a:xfrm>
-            <a:off x="5106136" y="3893153"/>
-            <a:ext cx="720080" cy="356236"/>
+            <a:off x="2196580" y="2492896"/>
+            <a:ext cx="720080" cy="708139"/>
           </a:xfrm>
           <a:prstGeom prst="rect">
             <a:avLst/>
           </a:prstGeom>
-          <a:noFill/>
-          <a:ln w="19050">
-            <a:solidFill>
-              <a:schemeClr val="tx1"/>
-            </a:solidFill>
-          </a:ln>
+          <a:ln/>
         </p:spPr>
         <p:style>
-          <a:lnRef idx="2">
-            <a:schemeClr val="accent1">
-              <a:shade val="50000"/>
-            </a:schemeClr>
+          <a:lnRef idx="0">
+            <a:schemeClr val="accent2"/>
           </a:lnRef>
-          <a:fillRef idx="1">
-            <a:schemeClr val="accent1"/>
+          <a:fillRef idx="1003">
+            <a:schemeClr val="lt2"/>
           </a:fillRef>
-          <a:effectRef idx="0">
-            <a:schemeClr val="accent1"/>
+          <a:effectRef idx="3">
+            <a:schemeClr val="accent2"/>
           </a:effectRef>
           <a:fontRef idx="minor">
             <a:schemeClr val="lt1"/>
@@ -4755,107 +4642,13 @@
       </p:sp>
       <p:cxnSp>
         <p:nvCxnSpPr>
-          <p:cNvPr id="84" name="直接箭头连接符 83"/>
-          <p:cNvCxnSpPr>
-            <a:stCxn id="83" idx="3"/>
-          </p:cNvCxnSpPr>
-          <p:nvPr/>
-        </p:nvCxnSpPr>
-        <p:spPr>
-          <a:xfrm flipV="1">
-            <a:off x="5826216" y="4069582"/>
-            <a:ext cx="350888" cy="1689"/>
-          </a:xfrm>
-          <a:prstGeom prst="straightConnector1">
-            <a:avLst/>
-          </a:prstGeom>
-          <a:ln>
-            <a:headEnd type="none" w="med" len="med"/>
-            <a:tailEnd type="triangle" w="med" len="med"/>
-          </a:ln>
-        </p:spPr>
-        <p:style>
-          <a:lnRef idx="2">
-            <a:schemeClr val="dk1"/>
-          </a:lnRef>
-          <a:fillRef idx="0">
-            <a:schemeClr val="dk1"/>
-          </a:fillRef>
-          <a:effectRef idx="1">
-            <a:schemeClr val="dk1"/>
-          </a:effectRef>
-          <a:fontRef idx="minor">
-            <a:schemeClr val="tx1"/>
-          </a:fontRef>
-        </p:style>
-      </p:cxnSp>
-      <p:sp>
-        <p:nvSpPr>
-          <p:cNvPr id="106" name="矩形 105"/>
-          <p:cNvSpPr/>
-          <p:nvPr/>
-        </p:nvSpPr>
-        <p:spPr>
-          <a:xfrm>
-            <a:off x="2340596" y="2658199"/>
-            <a:ext cx="720080" cy="356236"/>
-          </a:xfrm>
-          <a:prstGeom prst="rect">
-            <a:avLst/>
-          </a:prstGeom>
-          <a:noFill/>
-          <a:ln w="19050">
-            <a:solidFill>
-              <a:schemeClr val="tx1"/>
-            </a:solidFill>
-          </a:ln>
-        </p:spPr>
-        <p:style>
-          <a:lnRef idx="2">
-            <a:schemeClr val="accent1">
-              <a:shade val="50000"/>
-            </a:schemeClr>
-          </a:lnRef>
-          <a:fillRef idx="1">
-            <a:schemeClr val="accent1"/>
-          </a:fillRef>
-          <a:effectRef idx="0">
-            <a:schemeClr val="accent1"/>
-          </a:effectRef>
-          <a:fontRef idx="minor">
-            <a:schemeClr val="lt1"/>
-          </a:fontRef>
-        </p:style>
-        <p:txBody>
-          <a:bodyPr rtlCol="0" anchor="ctr"/>
-          <a:lstStyle/>
-          <a:p>
-            <a:pPr algn="ctr"/>
-            <a:r>
-              <a:rPr lang="en-US" altLang="zh-CN" dirty="0" smtClean="0">
-                <a:solidFill>
-                  <a:schemeClr val="tx1"/>
-                </a:solidFill>
-              </a:rPr>
-              <a:t>Conv</a:t>
-            </a:r>
-            <a:endParaRPr lang="zh-CN" altLang="en-US" dirty="0">
-              <a:solidFill>
-                <a:schemeClr val="tx1"/>
-              </a:solidFill>
-            </a:endParaRPr>
-          </a:p>
-        </p:txBody>
-      </p:sp>
-      <p:cxnSp>
-        <p:nvCxnSpPr>
           <p:cNvPr id="107" name="直接箭头连接符 106"/>
           <p:cNvCxnSpPr/>
           <p:nvPr/>
         </p:nvCxnSpPr>
         <p:spPr>
           <a:xfrm>
-            <a:off x="2052564" y="2836317"/>
+            <a:off x="1908548" y="2836317"/>
             <a:ext cx="268605" cy="0"/>
           </a:xfrm>
           <a:prstGeom prst="straightConnector1">
@@ -4888,9 +4681,9 @@
           <p:nvPr/>
         </p:nvCxnSpPr>
         <p:spPr>
-          <a:xfrm>
-            <a:off x="4428828" y="2836317"/>
-            <a:ext cx="360040" cy="1"/>
+          <a:xfrm flipV="1">
+            <a:off x="3827725" y="2841640"/>
+            <a:ext cx="601103" cy="5325"/>
           </a:xfrm>
           <a:prstGeom prst="line">
             <a:avLst/>
@@ -4934,7 +4727,7 @@
         </p:blipFill>
         <p:spPr bwMode="auto">
           <a:xfrm>
-            <a:off x="11269788" y="3104264"/>
+            <a:off x="12997780" y="3093152"/>
             <a:ext cx="1800000" cy="1800000"/>
           </a:xfrm>
           <a:prstGeom prst="rect">
@@ -4965,6 +4758,401 @@
           </a:extLst>
         </p:spPr>
       </p:pic>
+      <p:sp>
+        <p:nvSpPr>
+          <p:cNvPr id="45" name="立方体 44"/>
+          <p:cNvSpPr>
+            <a:spLocks/>
+          </p:cNvSpPr>
+          <p:nvPr/>
+        </p:nvSpPr>
+        <p:spPr>
+          <a:xfrm>
+            <a:off x="4788868" y="1196752"/>
+            <a:ext cx="720080" cy="1440160"/>
+          </a:xfrm>
+          <a:prstGeom prst="cube">
+            <a:avLst>
+              <a:gd name="adj" fmla="val 69183"/>
+            </a:avLst>
+          </a:prstGeom>
+          <a:noFill/>
+          <a:ln>
+            <a:solidFill>
+              <a:schemeClr val="tx1"/>
+            </a:solidFill>
+          </a:ln>
+        </p:spPr>
+        <p:style>
+          <a:lnRef idx="2">
+            <a:schemeClr val="accent1">
+              <a:shade val="50000"/>
+            </a:schemeClr>
+          </a:lnRef>
+          <a:fillRef idx="1">
+            <a:schemeClr val="accent1"/>
+          </a:fillRef>
+          <a:effectRef idx="0">
+            <a:schemeClr val="accent1"/>
+          </a:effectRef>
+          <a:fontRef idx="minor">
+            <a:schemeClr val="lt1"/>
+          </a:fontRef>
+        </p:style>
+        <p:txBody>
+          <a:bodyPr rtlCol="0" anchor="ctr"/>
+          <a:lstStyle/>
+          <a:p>
+            <a:pPr algn="ctr"/>
+            <a:endParaRPr lang="zh-CN" altLang="en-US">
+              <a:latin typeface="Times New Roman" panose="02020603050405020304" pitchFamily="18" charset="0"/>
+              <a:cs typeface="Times New Roman" panose="02020603050405020304" pitchFamily="18" charset="0"/>
+            </a:endParaRPr>
+          </a:p>
+        </p:txBody>
+      </p:sp>
+      <p:sp>
+        <p:nvSpPr>
+          <p:cNvPr id="46" name="立方体 45"/>
+          <p:cNvSpPr>
+            <a:spLocks/>
+          </p:cNvSpPr>
+          <p:nvPr/>
+        </p:nvSpPr>
+        <p:spPr>
+          <a:xfrm>
+            <a:off x="5389816" y="1196752"/>
+            <a:ext cx="720080" cy="1440160"/>
+          </a:xfrm>
+          <a:prstGeom prst="cube">
+            <a:avLst>
+              <a:gd name="adj" fmla="val 69184"/>
+            </a:avLst>
+          </a:prstGeom>
+          <a:noFill/>
+          <a:ln>
+            <a:solidFill>
+              <a:schemeClr val="tx1"/>
+            </a:solidFill>
+          </a:ln>
+        </p:spPr>
+        <p:style>
+          <a:lnRef idx="2">
+            <a:schemeClr val="accent1">
+              <a:shade val="50000"/>
+            </a:schemeClr>
+          </a:lnRef>
+          <a:fillRef idx="1">
+            <a:schemeClr val="accent1"/>
+          </a:fillRef>
+          <a:effectRef idx="0">
+            <a:schemeClr val="accent1"/>
+          </a:effectRef>
+          <a:fontRef idx="minor">
+            <a:schemeClr val="lt1"/>
+          </a:fontRef>
+        </p:style>
+        <p:txBody>
+          <a:bodyPr rtlCol="0" anchor="ctr"/>
+          <a:lstStyle/>
+          <a:p>
+            <a:pPr algn="ctr"/>
+            <a:endParaRPr lang="zh-CN" altLang="en-US">
+              <a:latin typeface="Times New Roman" panose="02020603050405020304" pitchFamily="18" charset="0"/>
+              <a:cs typeface="Times New Roman" panose="02020603050405020304" pitchFamily="18" charset="0"/>
+            </a:endParaRPr>
+          </a:p>
+        </p:txBody>
+      </p:sp>
+      <p:cxnSp>
+        <p:nvCxnSpPr>
+          <p:cNvPr id="51" name="直接箭头连接符 50"/>
+          <p:cNvCxnSpPr/>
+          <p:nvPr/>
+        </p:nvCxnSpPr>
+        <p:spPr>
+          <a:xfrm>
+            <a:off x="5868988" y="3928046"/>
+            <a:ext cx="720080" cy="8296"/>
+          </a:xfrm>
+          <a:prstGeom prst="straightConnector1">
+            <a:avLst/>
+          </a:prstGeom>
+          <a:ln>
+            <a:headEnd type="none" w="med" len="med"/>
+            <a:tailEnd type="triangle" w="med" len="med"/>
+          </a:ln>
+        </p:spPr>
+        <p:style>
+          <a:lnRef idx="2">
+            <a:schemeClr val="dk1"/>
+          </a:lnRef>
+          <a:fillRef idx="0">
+            <a:schemeClr val="dk1"/>
+          </a:fillRef>
+          <a:effectRef idx="1">
+            <a:schemeClr val="dk1"/>
+          </a:effectRef>
+          <a:fontRef idx="minor">
+            <a:schemeClr val="tx1"/>
+          </a:fontRef>
+        </p:style>
+      </p:cxnSp>
+      <p:sp>
+        <p:nvSpPr>
+          <p:cNvPr id="56" name="立方体 55"/>
+          <p:cNvSpPr>
+            <a:spLocks/>
+          </p:cNvSpPr>
+          <p:nvPr/>
+        </p:nvSpPr>
+        <p:spPr>
+          <a:xfrm>
+            <a:off x="4716860" y="3104264"/>
+            <a:ext cx="720080" cy="1440160"/>
+          </a:xfrm>
+          <a:prstGeom prst="cube">
+            <a:avLst>
+              <a:gd name="adj" fmla="val 69183"/>
+            </a:avLst>
+          </a:prstGeom>
+          <a:noFill/>
+          <a:ln>
+            <a:solidFill>
+              <a:schemeClr val="tx1"/>
+            </a:solidFill>
+          </a:ln>
+        </p:spPr>
+        <p:style>
+          <a:lnRef idx="2">
+            <a:schemeClr val="accent1">
+              <a:shade val="50000"/>
+            </a:schemeClr>
+          </a:lnRef>
+          <a:fillRef idx="1">
+            <a:schemeClr val="accent1"/>
+          </a:fillRef>
+          <a:effectRef idx="0">
+            <a:schemeClr val="accent1"/>
+          </a:effectRef>
+          <a:fontRef idx="minor">
+            <a:schemeClr val="lt1"/>
+          </a:fontRef>
+        </p:style>
+        <p:txBody>
+          <a:bodyPr rtlCol="0" anchor="ctr"/>
+          <a:lstStyle/>
+          <a:p>
+            <a:pPr algn="ctr"/>
+            <a:endParaRPr lang="zh-CN" altLang="en-US">
+              <a:latin typeface="Times New Roman" panose="02020603050405020304" pitchFamily="18" charset="0"/>
+              <a:cs typeface="Times New Roman" panose="02020603050405020304" pitchFamily="18" charset="0"/>
+            </a:endParaRPr>
+          </a:p>
+        </p:txBody>
+      </p:sp>
+      <p:sp>
+        <p:nvSpPr>
+          <p:cNvPr id="59" name="立方体 58"/>
+          <p:cNvSpPr>
+            <a:spLocks/>
+          </p:cNvSpPr>
+          <p:nvPr/>
+        </p:nvSpPr>
+        <p:spPr>
+          <a:xfrm>
+            <a:off x="5324084" y="3104264"/>
+            <a:ext cx="720080" cy="1440160"/>
+          </a:xfrm>
+          <a:prstGeom prst="cube">
+            <a:avLst>
+              <a:gd name="adj" fmla="val 69184"/>
+            </a:avLst>
+          </a:prstGeom>
+          <a:noFill/>
+          <a:ln>
+            <a:solidFill>
+              <a:schemeClr val="tx1"/>
+            </a:solidFill>
+          </a:ln>
+        </p:spPr>
+        <p:style>
+          <a:lnRef idx="2">
+            <a:schemeClr val="accent1">
+              <a:shade val="50000"/>
+            </a:schemeClr>
+          </a:lnRef>
+          <a:fillRef idx="1">
+            <a:schemeClr val="accent1"/>
+          </a:fillRef>
+          <a:effectRef idx="0">
+            <a:schemeClr val="accent1"/>
+          </a:effectRef>
+          <a:fontRef idx="minor">
+            <a:schemeClr val="lt1"/>
+          </a:fontRef>
+        </p:style>
+        <p:txBody>
+          <a:bodyPr rtlCol="0" anchor="ctr"/>
+          <a:lstStyle/>
+          <a:p>
+            <a:pPr algn="ctr"/>
+            <a:endParaRPr lang="zh-CN" altLang="en-US">
+              <a:latin typeface="Times New Roman" panose="02020603050405020304" pitchFamily="18" charset="0"/>
+              <a:cs typeface="Times New Roman" panose="02020603050405020304" pitchFamily="18" charset="0"/>
+            </a:endParaRPr>
+          </a:p>
+        </p:txBody>
+      </p:sp>
+      <p:sp>
+        <p:nvSpPr>
+          <p:cNvPr id="66" name="矩形 65"/>
+          <p:cNvSpPr/>
+          <p:nvPr/>
+        </p:nvSpPr>
+        <p:spPr>
+          <a:xfrm>
+            <a:off x="10682386" y="3366338"/>
+            <a:ext cx="1684091" cy="1222962"/>
+          </a:xfrm>
+          <a:prstGeom prst="rect">
+            <a:avLst/>
+          </a:prstGeom>
+          <a:ln/>
+        </p:spPr>
+        <p:style>
+          <a:lnRef idx="0">
+            <a:schemeClr val="accent3"/>
+          </a:lnRef>
+          <a:fillRef idx="3">
+            <a:schemeClr val="accent3"/>
+          </a:fillRef>
+          <a:effectRef idx="3">
+            <a:schemeClr val="accent3"/>
+          </a:effectRef>
+          <a:fontRef idx="minor">
+            <a:schemeClr val="lt1"/>
+          </a:fontRef>
+        </p:style>
+        <p:txBody>
+          <a:bodyPr rtlCol="0" anchor="ctr"/>
+          <a:lstStyle/>
+          <a:p>
+            <a:pPr algn="ctr"/>
+            <a:r>
+              <a:rPr lang="en-US" altLang="zh-CN" sz="2400" b="1" dirty="0" smtClean="0">
+                <a:solidFill>
+                  <a:schemeClr val="tx1"/>
+                </a:solidFill>
+              </a:rPr>
+              <a:t>Piecewise Fusion</a:t>
+            </a:r>
+            <a:endParaRPr lang="zh-CN" altLang="en-US" sz="2400" b="1" dirty="0">
+              <a:solidFill>
+                <a:schemeClr val="tx1"/>
+              </a:solidFill>
+            </a:endParaRPr>
+          </a:p>
+        </p:txBody>
+      </p:sp>
+      <p:sp>
+        <p:nvSpPr>
+          <p:cNvPr id="30" name="TextBox 29"/>
+          <p:cNvSpPr txBox="1"/>
+          <p:nvPr/>
+        </p:nvSpPr>
+        <p:spPr>
+          <a:xfrm>
+            <a:off x="4212804" y="683404"/>
+            <a:ext cx="2077112" cy="461665"/>
+          </a:xfrm>
+          <a:prstGeom prst="rect">
+            <a:avLst/>
+          </a:prstGeom>
+          <a:noFill/>
+        </p:spPr>
+        <p:txBody>
+          <a:bodyPr wrap="square" rtlCol="0">
+            <a:spAutoFit/>
+          </a:bodyPr>
+          <a:lstStyle/>
+          <a:p>
+            <a:r>
+              <a:rPr lang="en-US" altLang="zh-CN" sz="2400" b="1" dirty="0" smtClean="0"/>
+              <a:t>Multi-task FCN</a:t>
+            </a:r>
+            <a:endParaRPr lang="zh-CN" altLang="en-US" sz="2400" b="1" dirty="0"/>
+          </a:p>
+        </p:txBody>
+      </p:sp>
+      <p:cxnSp>
+        <p:nvCxnSpPr>
+          <p:cNvPr id="77" name="直接箭头连接符 76"/>
+          <p:cNvCxnSpPr/>
+          <p:nvPr/>
+        </p:nvCxnSpPr>
+        <p:spPr>
+          <a:xfrm>
+            <a:off x="5148908" y="1916832"/>
+            <a:ext cx="216023" cy="8296"/>
+          </a:xfrm>
+          <a:prstGeom prst="straightConnector1">
+            <a:avLst/>
+          </a:prstGeom>
+          <a:ln>
+            <a:headEnd type="none" w="med" len="med"/>
+            <a:tailEnd type="triangle" w="med" len="med"/>
+          </a:ln>
+        </p:spPr>
+        <p:style>
+          <a:lnRef idx="2">
+            <a:schemeClr val="dk1"/>
+          </a:lnRef>
+          <a:fillRef idx="0">
+            <a:schemeClr val="dk1"/>
+          </a:fillRef>
+          <a:effectRef idx="1">
+            <a:schemeClr val="dk1"/>
+          </a:effectRef>
+          <a:fontRef idx="minor">
+            <a:schemeClr val="tx1"/>
+          </a:fontRef>
+        </p:style>
+      </p:cxnSp>
+      <p:cxnSp>
+        <p:nvCxnSpPr>
+          <p:cNvPr id="85" name="直接箭头连接符 84"/>
+          <p:cNvCxnSpPr/>
+          <p:nvPr/>
+        </p:nvCxnSpPr>
+        <p:spPr>
+          <a:xfrm>
+            <a:off x="5101912" y="3928046"/>
+            <a:ext cx="216023" cy="8296"/>
+          </a:xfrm>
+          <a:prstGeom prst="straightConnector1">
+            <a:avLst/>
+          </a:prstGeom>
+          <a:ln>
+            <a:headEnd type="none" w="med" len="med"/>
+            <a:tailEnd type="triangle" w="med" len="med"/>
+          </a:ln>
+        </p:spPr>
+        <p:style>
+          <a:lnRef idx="2">
+            <a:schemeClr val="dk1"/>
+          </a:lnRef>
+          <a:fillRef idx="0">
+            <a:schemeClr val="dk1"/>
+          </a:fillRef>
+          <a:effectRef idx="1">
+            <a:schemeClr val="dk1"/>
+          </a:effectRef>
+          <a:fontRef idx="minor">
+            <a:schemeClr val="tx1"/>
+          </a:fontRef>
+        </p:style>
+      </p:cxnSp>
     </p:spTree>
     <p:extLst>
       <p:ext uri="{BB962C8B-B14F-4D97-AF65-F5344CB8AC3E}">

--- a/paper/figures/FigDSAN/FigDSAN.pptx
+++ b/paper/figures/FigDSAN/FigDSAN.pptx
@@ -288,7 +288,7 @@
           <a:p>
             <a:fld id="{530820CF-B880-4189-942D-D702A7CBA730}" type="datetimeFigureOut">
               <a:rPr lang="zh-CN" altLang="en-US" smtClean="0"/>
-              <a:t>2017/9/19</a:t>
+              <a:t>2017/9/26</a:t>
             </a:fld>
             <a:endParaRPr lang="zh-CN" altLang="en-US"/>
           </a:p>
@@ -453,7 +453,7 @@
           <a:p>
             <a:fld id="{530820CF-B880-4189-942D-D702A7CBA730}" type="datetimeFigureOut">
               <a:rPr lang="zh-CN" altLang="en-US" smtClean="0"/>
-              <a:t>2017/9/19</a:t>
+              <a:t>2017/9/26</a:t>
             </a:fld>
             <a:endParaRPr lang="zh-CN" altLang="en-US"/>
           </a:p>
@@ -628,7 +628,7 @@
           <a:p>
             <a:fld id="{530820CF-B880-4189-942D-D702A7CBA730}" type="datetimeFigureOut">
               <a:rPr lang="zh-CN" altLang="en-US" smtClean="0"/>
-              <a:t>2017/9/19</a:t>
+              <a:t>2017/9/26</a:t>
             </a:fld>
             <a:endParaRPr lang="zh-CN" altLang="en-US"/>
           </a:p>
@@ -793,7 +793,7 @@
           <a:p>
             <a:fld id="{530820CF-B880-4189-942D-D702A7CBA730}" type="datetimeFigureOut">
               <a:rPr lang="zh-CN" altLang="en-US" smtClean="0"/>
-              <a:t>2017/9/19</a:t>
+              <a:t>2017/9/26</a:t>
             </a:fld>
             <a:endParaRPr lang="zh-CN" altLang="en-US"/>
           </a:p>
@@ -1034,7 +1034,7 @@
           <a:p>
             <a:fld id="{530820CF-B880-4189-942D-D702A7CBA730}" type="datetimeFigureOut">
               <a:rPr lang="zh-CN" altLang="en-US" smtClean="0"/>
-              <a:t>2017/9/19</a:t>
+              <a:t>2017/9/26</a:t>
             </a:fld>
             <a:endParaRPr lang="zh-CN" altLang="en-US"/>
           </a:p>
@@ -1317,7 +1317,7 @@
           <a:p>
             <a:fld id="{530820CF-B880-4189-942D-D702A7CBA730}" type="datetimeFigureOut">
               <a:rPr lang="zh-CN" altLang="en-US" smtClean="0"/>
-              <a:t>2017/9/19</a:t>
+              <a:t>2017/9/26</a:t>
             </a:fld>
             <a:endParaRPr lang="zh-CN" altLang="en-US"/>
           </a:p>
@@ -1734,7 +1734,7 @@
           <a:p>
             <a:fld id="{530820CF-B880-4189-942D-D702A7CBA730}" type="datetimeFigureOut">
               <a:rPr lang="zh-CN" altLang="en-US" smtClean="0"/>
-              <a:t>2017/9/19</a:t>
+              <a:t>2017/9/26</a:t>
             </a:fld>
             <a:endParaRPr lang="zh-CN" altLang="en-US"/>
           </a:p>
@@ -1847,7 +1847,7 @@
           <a:p>
             <a:fld id="{530820CF-B880-4189-942D-D702A7CBA730}" type="datetimeFigureOut">
               <a:rPr lang="zh-CN" altLang="en-US" smtClean="0"/>
-              <a:t>2017/9/19</a:t>
+              <a:t>2017/9/26</a:t>
             </a:fld>
             <a:endParaRPr lang="zh-CN" altLang="en-US"/>
           </a:p>
@@ -1937,7 +1937,7 @@
           <a:p>
             <a:fld id="{530820CF-B880-4189-942D-D702A7CBA730}" type="datetimeFigureOut">
               <a:rPr lang="zh-CN" altLang="en-US" smtClean="0"/>
-              <a:t>2017/9/19</a:t>
+              <a:t>2017/9/26</a:t>
             </a:fld>
             <a:endParaRPr lang="zh-CN" altLang="en-US"/>
           </a:p>
@@ -2209,7 +2209,7 @@
           <a:p>
             <a:fld id="{530820CF-B880-4189-942D-D702A7CBA730}" type="datetimeFigureOut">
               <a:rPr lang="zh-CN" altLang="en-US" smtClean="0"/>
-              <a:t>2017/9/19</a:t>
+              <a:t>2017/9/26</a:t>
             </a:fld>
             <a:endParaRPr lang="zh-CN" altLang="en-US"/>
           </a:p>
@@ -2457,7 +2457,7 @@
           <a:p>
             <a:fld id="{530820CF-B880-4189-942D-D702A7CBA730}" type="datetimeFigureOut">
               <a:rPr lang="zh-CN" altLang="en-US" smtClean="0"/>
-              <a:t>2017/9/19</a:t>
+              <a:t>2017/9/26</a:t>
             </a:fld>
             <a:endParaRPr lang="zh-CN" altLang="en-US"/>
           </a:p>
@@ -2665,7 +2665,7 @@
           <a:p>
             <a:fld id="{530820CF-B880-4189-942D-D702A7CBA730}" type="datetimeFigureOut">
               <a:rPr lang="zh-CN" altLang="en-US" smtClean="0"/>
-              <a:t>2017/9/19</a:t>
+              <a:t>2017/9/26</a:t>
             </a:fld>
             <a:endParaRPr lang="zh-CN" altLang="en-US"/>
           </a:p>
@@ -3084,13 +3084,26 @@
         </p:nvSpPr>
         <p:spPr>
           <a:xfrm>
-            <a:off x="4212804" y="620888"/>
-            <a:ext cx="2113116" cy="4237160"/>
+            <a:off x="2044772" y="1052736"/>
+            <a:ext cx="4522038" cy="3536564"/>
           </a:xfrm>
           <a:prstGeom prst="roundRect">
-            <a:avLst/>
+            <a:avLst>
+              <a:gd name="adj" fmla="val 7655"/>
+            </a:avLst>
           </a:prstGeom>
-          <a:ln/>
+          <a:solidFill>
+            <a:schemeClr val="bg2">
+              <a:lumMod val="75000"/>
+            </a:schemeClr>
+          </a:solidFill>
+          <a:ln>
+            <a:solidFill>
+              <a:schemeClr val="bg2">
+                <a:lumMod val="75000"/>
+              </a:schemeClr>
+            </a:solidFill>
+          </a:ln>
         </p:spPr>
         <p:style>
           <a:lnRef idx="0">
@@ -3125,7 +3138,7 @@
         </p:nvSpPr>
         <p:spPr>
           <a:xfrm>
-            <a:off x="3204692" y="2060848"/>
+            <a:off x="3481586" y="2060848"/>
             <a:ext cx="720080" cy="1440160"/>
           </a:xfrm>
           <a:prstGeom prst="cube">
@@ -3176,7 +3189,7 @@
         </p:nvCxnSpPr>
         <p:spPr>
           <a:xfrm flipV="1">
-            <a:off x="2916660" y="2837263"/>
+            <a:off x="3193554" y="2837263"/>
             <a:ext cx="288032" cy="1955"/>
           </a:xfrm>
           <a:prstGeom prst="straightConnector1">
@@ -3210,7 +3223,7 @@
         </p:nvCxnSpPr>
         <p:spPr>
           <a:xfrm>
-            <a:off x="4399592" y="3933056"/>
+            <a:off x="4676486" y="3933056"/>
             <a:ext cx="317268" cy="1689"/>
           </a:xfrm>
           <a:prstGeom prst="straightConnector1">
@@ -3244,7 +3257,7 @@
         </p:nvCxnSpPr>
         <p:spPr>
           <a:xfrm flipV="1">
-            <a:off x="4423997" y="1925128"/>
+            <a:off x="4700891" y="1925128"/>
             <a:ext cx="4831" cy="2009617"/>
           </a:xfrm>
           <a:prstGeom prst="line">
@@ -3274,8 +3287,8 @@
         </p:nvCxnSpPr>
         <p:spPr>
           <a:xfrm flipV="1">
-            <a:off x="9638130" y="2419715"/>
-            <a:ext cx="0" cy="1517085"/>
+            <a:off x="9915024" y="2411927"/>
+            <a:ext cx="0" cy="1524874"/>
           </a:xfrm>
           <a:prstGeom prst="straightConnector1">
             <a:avLst/>
@@ -3344,7 +3357,7 @@
         </p:nvSpPr>
         <p:spPr>
           <a:xfrm>
-            <a:off x="6598961" y="4853771"/>
+            <a:off x="6875855" y="4853771"/>
             <a:ext cx="2315394" cy="369332"/>
           </a:xfrm>
           <a:prstGeom prst="rect">
@@ -3424,7 +3437,7 @@
         </p:nvSpPr>
         <p:spPr>
           <a:xfrm>
-            <a:off x="2772645" y="3502749"/>
+            <a:off x="3049539" y="3502749"/>
             <a:ext cx="1512167" cy="646331"/>
           </a:xfrm>
           <a:prstGeom prst="rect">
@@ -3444,14 +3457,7 @@
                 <a:latin typeface="Times New Roman" panose="02020603050405020304" pitchFamily="18" charset="0"/>
                 <a:cs typeface="Times New Roman" panose="02020603050405020304" pitchFamily="18" charset="0"/>
               </a:rPr>
-              <a:t>(b) </a:t>
-            </a:r>
-            <a:r>
-              <a:rPr lang="en-US" altLang="zh-CN" dirty="0" smtClean="0">
-                <a:latin typeface="Times New Roman" panose="02020603050405020304" pitchFamily="18" charset="0"/>
-                <a:cs typeface="Times New Roman" panose="02020603050405020304" pitchFamily="18" charset="0"/>
-              </a:rPr>
-              <a:t>Feature </a:t>
+              <a:t>(b) Feature </a:t>
             </a:r>
             <a:r>
               <a:rPr lang="en-US" altLang="zh-CN" dirty="0">
@@ -3482,7 +3488,7 @@
         </p:nvCxnSpPr>
         <p:spPr>
           <a:xfrm flipV="1">
-            <a:off x="8450138" y="3930999"/>
+            <a:off x="8727032" y="3930999"/>
             <a:ext cx="2238055" cy="5802"/>
           </a:xfrm>
           <a:prstGeom prst="straightConnector1">
@@ -3531,7 +3537,7 @@
         </p:blipFill>
         <p:spPr bwMode="auto">
           <a:xfrm>
-            <a:off x="10466362" y="620888"/>
+            <a:off x="10743256" y="620888"/>
             <a:ext cx="1805607" cy="1800000"/>
           </a:xfrm>
           <a:prstGeom prst="rect">
@@ -3574,7 +3580,7 @@
         </p:nvCxnSpPr>
         <p:spPr>
           <a:xfrm>
-            <a:off x="11762506" y="2846965"/>
+            <a:off x="12039400" y="2846965"/>
             <a:ext cx="1" cy="510027"/>
           </a:xfrm>
           <a:prstGeom prst="straightConnector1">
@@ -3623,8 +3629,8 @@
         </p:blipFill>
         <p:spPr bwMode="auto">
           <a:xfrm>
-            <a:off x="6096592" y="808677"/>
-            <a:ext cx="1777500" cy="1655010"/>
+            <a:off x="6373486" y="620889"/>
+            <a:ext cx="1777500" cy="1842798"/>
           </a:xfrm>
           <a:prstGeom prst="rect">
             <a:avLst/>
@@ -3666,7 +3672,7 @@
         </p:nvCxnSpPr>
         <p:spPr>
           <a:xfrm flipV="1">
-            <a:off x="4408744" y="1925127"/>
+            <a:off x="4685638" y="1925127"/>
             <a:ext cx="380124" cy="1"/>
           </a:xfrm>
           <a:prstGeom prst="straightConnector1">
@@ -3715,7 +3721,7 @@
         </p:blipFill>
         <p:spPr bwMode="auto">
           <a:xfrm>
-            <a:off x="10688193" y="620888"/>
+            <a:off x="10965087" y="620888"/>
             <a:ext cx="1794393" cy="1800000"/>
           </a:xfrm>
           <a:prstGeom prst="rect">
@@ -3758,7 +3764,7 @@
         </p:nvSpPr>
         <p:spPr>
           <a:xfrm>
-            <a:off x="12925772" y="4842659"/>
+            <a:off x="12997780" y="4842659"/>
             <a:ext cx="2315394" cy="369332"/>
           </a:xfrm>
           <a:prstGeom prst="rect">
@@ -3823,8 +3829,8 @@
         </p:blipFill>
         <p:spPr bwMode="auto">
           <a:xfrm>
-            <a:off x="6371568" y="831196"/>
-            <a:ext cx="1811392" cy="1611038"/>
+            <a:off x="6648462" y="620889"/>
+            <a:ext cx="1811392" cy="1821345"/>
           </a:xfrm>
           <a:prstGeom prst="rect">
             <a:avLst/>
@@ -3866,7 +3872,7 @@
         </p:nvSpPr>
         <p:spPr>
           <a:xfrm>
-            <a:off x="6422776" y="2627620"/>
+            <a:off x="6699670" y="2627620"/>
             <a:ext cx="2315394" cy="369332"/>
           </a:xfrm>
           <a:prstGeom prst="rect">
@@ -3953,7 +3959,7 @@
         </p:blipFill>
         <p:spPr bwMode="auto">
           <a:xfrm>
-            <a:off x="10966833" y="620888"/>
+            <a:off x="11243727" y="620888"/>
             <a:ext cx="1816981" cy="1800000"/>
           </a:xfrm>
           <a:prstGeom prst="rect">
@@ -4011,7 +4017,7 @@
         </p:blipFill>
         <p:spPr bwMode="auto">
           <a:xfrm>
-            <a:off x="11268061" y="620888"/>
+            <a:off x="11544955" y="620888"/>
             <a:ext cx="1800000" cy="1800000"/>
           </a:xfrm>
           <a:prstGeom prst="rect">
@@ -4054,7 +4060,7 @@
         </p:nvSpPr>
         <p:spPr>
           <a:xfrm>
-            <a:off x="10065385" y="2545636"/>
+            <a:off x="10342279" y="2545636"/>
             <a:ext cx="3611538" cy="369332"/>
           </a:xfrm>
           <a:prstGeom prst="rect">
@@ -4123,7 +4129,7 @@
         </p:blipFill>
         <p:spPr bwMode="auto">
           <a:xfrm>
-            <a:off x="6650138" y="3093152"/>
+            <a:off x="6927032" y="3093152"/>
             <a:ext cx="1800000" cy="1800000"/>
           </a:xfrm>
           <a:prstGeom prst="rect">
@@ -4177,8 +4183,8 @@
         </p:blipFill>
         <p:spPr bwMode="auto">
           <a:xfrm>
-            <a:off x="6680436" y="816463"/>
-            <a:ext cx="1811320" cy="1603252"/>
+            <a:off x="6957330" y="620888"/>
+            <a:ext cx="1811320" cy="1798827"/>
           </a:xfrm>
           <a:prstGeom prst="rect">
             <a:avLst/>
@@ -4235,8 +4241,8 @@
         </p:blipFill>
         <p:spPr bwMode="auto">
           <a:xfrm>
-            <a:off x="6989232" y="816463"/>
-            <a:ext cx="1811320" cy="1603251"/>
+            <a:off x="7266126" y="620889"/>
+            <a:ext cx="1811320" cy="1798826"/>
           </a:xfrm>
           <a:prstGeom prst="rect">
             <a:avLst/>
@@ -4293,8 +4299,8 @@
         </p:blipFill>
         <p:spPr bwMode="auto">
           <a:xfrm>
-            <a:off x="7298028" y="808676"/>
-            <a:ext cx="1811320" cy="1603251"/>
+            <a:off x="7574922" y="620888"/>
+            <a:ext cx="1811320" cy="1791039"/>
           </a:xfrm>
           <a:prstGeom prst="rect">
             <a:avLst/>
@@ -4351,7 +4357,7 @@
         </p:blipFill>
         <p:spPr bwMode="auto">
           <a:xfrm>
-            <a:off x="11552307" y="620888"/>
+            <a:off x="11829201" y="620888"/>
             <a:ext cx="1794375" cy="1800000"/>
           </a:xfrm>
           <a:prstGeom prst="rect">
@@ -4394,8 +4400,8 @@
         </p:nvSpPr>
         <p:spPr>
           <a:xfrm>
-            <a:off x="8833550" y="1196752"/>
-            <a:ext cx="1684091" cy="1222962"/>
+            <a:off x="9110444" y="1124743"/>
+            <a:ext cx="1684091" cy="1287183"/>
           </a:xfrm>
           <a:prstGeom prst="rect">
             <a:avLst/>
@@ -4404,13 +4410,13 @@
         </p:spPr>
         <p:style>
           <a:lnRef idx="0">
-            <a:schemeClr val="accent5"/>
+            <a:schemeClr val="accent6"/>
           </a:lnRef>
           <a:fillRef idx="3">
-            <a:schemeClr val="accent5"/>
+            <a:schemeClr val="accent6"/>
           </a:fillRef>
           <a:effectRef idx="3">
-            <a:schemeClr val="accent5"/>
+            <a:schemeClr val="accent6"/>
           </a:effectRef>
           <a:fontRef idx="minor">
             <a:schemeClr val="lt1"/>
@@ -4461,7 +4467,7 @@
         </p:nvCxnSpPr>
         <p:spPr>
           <a:xfrm flipV="1">
-            <a:off x="8467038" y="1921428"/>
+            <a:off x="8743932" y="1921428"/>
             <a:ext cx="393581" cy="3700"/>
           </a:xfrm>
           <a:prstGeom prst="straightConnector1">
@@ -4495,7 +4501,7 @@
         </p:nvCxnSpPr>
         <p:spPr>
           <a:xfrm flipV="1">
-            <a:off x="10548371" y="1939332"/>
+            <a:off x="10825265" y="1939332"/>
             <a:ext cx="431848" cy="2"/>
           </a:xfrm>
           <a:prstGeom prst="straightConnector1">
@@ -4529,7 +4535,7 @@
         </p:nvCxnSpPr>
         <p:spPr>
           <a:xfrm flipV="1">
-            <a:off x="12410578" y="3956915"/>
+            <a:off x="12637740" y="3956915"/>
             <a:ext cx="570518" cy="1689"/>
           </a:xfrm>
           <a:prstGeom prst="straightConnector1">
@@ -4563,7 +4569,7 @@
         </p:nvCxnSpPr>
         <p:spPr>
           <a:xfrm flipV="1">
-            <a:off x="5936452" y="1943032"/>
+            <a:off x="6213346" y="1943032"/>
             <a:ext cx="575860" cy="1"/>
           </a:xfrm>
           <a:prstGeom prst="straightConnector1">
@@ -4597,23 +4603,41 @@
         </p:nvSpPr>
         <p:spPr>
           <a:xfrm>
-            <a:off x="2196580" y="2492896"/>
-            <a:ext cx="720080" cy="708139"/>
+            <a:off x="2181197" y="2492896"/>
+            <a:ext cx="1012357" cy="708139"/>
           </a:xfrm>
           <a:prstGeom prst="rect">
             <a:avLst/>
           </a:prstGeom>
-          <a:ln/>
+          <a:solidFill>
+            <a:schemeClr val="bg2">
+              <a:lumMod val="75000"/>
+            </a:schemeClr>
+          </a:solidFill>
+          <a:ln w="12700">
+            <a:solidFill>
+              <a:schemeClr val="tx1"/>
+            </a:solidFill>
+          </a:ln>
+          <a:scene3d>
+            <a:camera prst="orthographicFront">
+              <a:rot lat="0" lon="0" rev="0"/>
+            </a:camera>
+            <a:lightRig rig="threePt" dir="t">
+              <a:rot lat="0" lon="0" rev="1200000"/>
+            </a:lightRig>
+          </a:scene3d>
+          <a:sp3d/>
         </p:spPr>
         <p:style>
           <a:lnRef idx="0">
-            <a:schemeClr val="accent2"/>
+            <a:schemeClr val="accent4"/>
           </a:lnRef>
-          <a:fillRef idx="1003">
-            <a:schemeClr val="lt2"/>
+          <a:fillRef idx="3">
+            <a:schemeClr val="accent4"/>
           </a:fillRef>
           <a:effectRef idx="3">
-            <a:schemeClr val="accent2"/>
+            <a:schemeClr val="accent4"/>
           </a:effectRef>
           <a:fontRef idx="minor">
             <a:schemeClr val="lt1"/>
@@ -4630,7 +4654,7 @@
                   <a:schemeClr val="tx1"/>
                 </a:solidFill>
               </a:rPr>
-              <a:t>Conv</a:t>
+              <a:t>ConvNet</a:t>
             </a:r>
             <a:endParaRPr lang="zh-CN" altLang="en-US" dirty="0">
               <a:solidFill>
@@ -4643,13 +4667,15 @@
       <p:cxnSp>
         <p:nvCxnSpPr>
           <p:cNvPr id="107" name="直接箭头连接符 106"/>
-          <p:cNvCxnSpPr/>
+          <p:cNvCxnSpPr>
+            <a:stCxn id="39" idx="3"/>
+          </p:cNvCxnSpPr>
           <p:nvPr/>
         </p:nvCxnSpPr>
         <p:spPr>
-          <a:xfrm>
-            <a:off x="1908548" y="2836317"/>
-            <a:ext cx="268605" cy="0"/>
+          <a:xfrm flipV="1">
+            <a:off x="1908348" y="2836317"/>
+            <a:ext cx="272849" cy="2001"/>
           </a:xfrm>
           <a:prstGeom prst="straightConnector1">
             <a:avLst/>
@@ -4682,7 +4708,7 @@
         </p:nvCxnSpPr>
         <p:spPr>
           <a:xfrm flipV="1">
-            <a:off x="3827725" y="2841640"/>
+            <a:off x="4104619" y="2841640"/>
             <a:ext cx="601103" cy="5325"/>
           </a:xfrm>
           <a:prstGeom prst="line">
@@ -4727,7 +4753,7 @@
         </p:blipFill>
         <p:spPr bwMode="auto">
           <a:xfrm>
-            <a:off x="12997780" y="3093152"/>
+            <a:off x="13213804" y="3093152"/>
             <a:ext cx="1800000" cy="1800000"/>
           </a:xfrm>
           <a:prstGeom prst="rect">
@@ -4768,7 +4794,7 @@
         </p:nvSpPr>
         <p:spPr>
           <a:xfrm>
-            <a:off x="4788868" y="1196752"/>
+            <a:off x="5065762" y="1196752"/>
             <a:ext cx="720080" cy="1440160"/>
           </a:xfrm>
           <a:prstGeom prst="cube">
@@ -4821,7 +4847,7 @@
         </p:nvSpPr>
         <p:spPr>
           <a:xfrm>
-            <a:off x="5389816" y="1196752"/>
+            <a:off x="5666710" y="1196752"/>
             <a:ext cx="720080" cy="1440160"/>
           </a:xfrm>
           <a:prstGeom prst="cube">
@@ -4872,7 +4898,7 @@
         </p:nvCxnSpPr>
         <p:spPr>
           <a:xfrm>
-            <a:off x="5868988" y="3928046"/>
+            <a:off x="6145882" y="3928046"/>
             <a:ext cx="720080" cy="8296"/>
           </a:xfrm>
           <a:prstGeom prst="straightConnector1">
@@ -4908,7 +4934,7 @@
         </p:nvSpPr>
         <p:spPr>
           <a:xfrm>
-            <a:off x="4716860" y="3104264"/>
+            <a:off x="4993754" y="3104264"/>
             <a:ext cx="720080" cy="1440160"/>
           </a:xfrm>
           <a:prstGeom prst="cube">
@@ -4961,7 +4987,7 @@
         </p:nvSpPr>
         <p:spPr>
           <a:xfrm>
-            <a:off x="5324084" y="3104264"/>
+            <a:off x="5600978" y="3104264"/>
             <a:ext cx="720080" cy="1440160"/>
           </a:xfrm>
           <a:prstGeom prst="cube">
@@ -5012,8 +5038,8 @@
         </p:nvSpPr>
         <p:spPr>
           <a:xfrm>
-            <a:off x="10682386" y="3366338"/>
-            <a:ext cx="1684091" cy="1222962"/>
+            <a:off x="10959280" y="3356992"/>
+            <a:ext cx="1684091" cy="1232308"/>
           </a:xfrm>
           <a:prstGeom prst="rect">
             <a:avLst/>
@@ -5063,7 +5089,7 @@
         </p:nvSpPr>
         <p:spPr>
           <a:xfrm>
-            <a:off x="4212804" y="683404"/>
+            <a:off x="3132684" y="1124744"/>
             <a:ext cx="2077112" cy="461665"/>
           </a:xfrm>
           <a:prstGeom prst="rect">
@@ -5093,7 +5119,7 @@
         </p:nvCxnSpPr>
         <p:spPr>
           <a:xfrm>
-            <a:off x="5148908" y="1916832"/>
+            <a:off x="5425802" y="1916832"/>
             <a:ext cx="216023" cy="8296"/>
           </a:xfrm>
           <a:prstGeom prst="straightConnector1">
@@ -5127,7 +5153,7 @@
         </p:nvCxnSpPr>
         <p:spPr>
           <a:xfrm>
-            <a:off x="5101912" y="3928046"/>
+            <a:off x="5378806" y="3928046"/>
             <a:ext cx="216023" cy="8296"/>
           </a:xfrm>
           <a:prstGeom prst="straightConnector1">
